--- a/powerpoint/PowerShell_Saturdayfr2017_omiossec_hyperv-final.pptx
+++ b/powerpoint/PowerShell_Saturdayfr2017_omiossec_hyperv-final.pptx
@@ -6719,9 +6719,9 @@
       </p:sp>
       <p:pic>
         <p:nvPicPr>
-          <p:cNvPr id="6" name="Picture 5"/>
+          <p:cNvPr id="1026" name="Picture 2" descr="Résultat d’images pour french powershell user group"/>
           <p:cNvPicPr>
-            <a:picLocks noChangeAspect="1"/>
+            <a:picLocks noChangeAspect="1" noChangeArrowheads="1"/>
           </p:cNvPicPr>
           <p:nvPr/>
         </p:nvPicPr>
@@ -6733,18 +6733,29 @@
               </a:ext>
             </a:extLst>
           </a:blip>
+          <a:srcRect/>
           <a:stretch>
             <a:fillRect/>
           </a:stretch>
         </p:blipFill>
-        <p:spPr>
-          <a:xfrm>
-            <a:off x="9903789" y="2743201"/>
-            <a:ext cx="2128409" cy="2135504"/>
+        <p:spPr bwMode="auto">
+          <a:xfrm>
+            <a:off x="8576764" y="1668919"/>
+            <a:ext cx="3284310" cy="3284310"/>
           </a:xfrm>
           <a:prstGeom prst="rect">
             <a:avLst/>
           </a:prstGeom>
+          <a:noFill/>
+          <a:extLst>
+            <a:ext uri="{909E8E84-426E-40DD-AFC4-6F175D3DCCD1}">
+              <a14:hiddenFill xmlns:a14="http://schemas.microsoft.com/office/drawing/2010/main">
+                <a:solidFill>
+                  <a:srgbClr val="FFFFFF"/>
+                </a:solidFill>
+              </a14:hiddenFill>
+            </a:ext>
+          </a:extLst>
         </p:spPr>
       </p:pic>
     </p:spTree>
@@ -10891,7 +10902,7 @@
           <a:p>
             <a:r>
               <a:rPr lang="fr-FR" dirty="0" smtClean="0"/>
-              <a:t>1865 </a:t>
+              <a:t>1925 </a:t>
             </a:r>
             <a:r>
               <a:rPr lang="fr-FR" dirty="0" err="1" smtClean="0"/>
@@ -10906,7 +10917,11 @@
             </a:br>
             <a:r>
               <a:rPr lang="fr-FR" dirty="0" smtClean="0"/>
-              <a:t>5,9 Tb Ram</a:t>
+              <a:t>6,7 </a:t>
+            </a:r>
+            <a:r>
+              <a:rPr lang="fr-FR" dirty="0" smtClean="0"/>
+              <a:t>Tb Ram</a:t>
             </a:r>
             <a:br>
               <a:rPr lang="fr-FR" dirty="0" smtClean="0"/>
@@ -11295,6 +11310,49 @@
           </a:extLst>
         </p:spPr>
       </p:pic>
+      <p:sp>
+        <p:nvSpPr>
+          <p:cNvPr id="14" name="TextBox 13"/>
+          <p:cNvSpPr txBox="1"/>
+          <p:nvPr/>
+        </p:nvSpPr>
+        <p:spPr>
+          <a:xfrm>
+            <a:off x="1062446" y="992777"/>
+            <a:ext cx="10136777" cy="707886"/>
+          </a:xfrm>
+          <a:prstGeom prst="rect">
+            <a:avLst/>
+          </a:prstGeom>
+          <a:noFill/>
+        </p:spPr>
+        <p:txBody>
+          <a:bodyPr wrap="square" rtlCol="0">
+            <a:spAutoFit/>
+          </a:bodyPr>
+          <a:lstStyle/>
+          <a:p>
+            <a:pPr algn="ctr"/>
+            <a:r>
+              <a:rPr lang="fr-FR" sz="4000" b="1" u="sng" dirty="0" smtClean="0">
+                <a:solidFill>
+                  <a:schemeClr val="accent1">
+                    <a:lumMod val="50000"/>
+                  </a:schemeClr>
+                </a:solidFill>
+              </a:rPr>
+              <a:t>About Me</a:t>
+            </a:r>
+            <a:endParaRPr lang="fr-FR" sz="4000" b="1" u="sng" dirty="0">
+              <a:solidFill>
+                <a:schemeClr val="accent1">
+                  <a:lumMod val="50000"/>
+                </a:schemeClr>
+              </a:solidFill>
+            </a:endParaRPr>
+          </a:p>
+        </p:txBody>
+      </p:sp>
     </p:spTree>
     <p:extLst>
       <p:ext uri="{BB962C8B-B14F-4D97-AF65-F5344CB8AC3E}">

--- a/powerpoint/PowerShell_Saturdayfr2017_omiossec_hyperv-final.pptx
+++ b/powerpoint/PowerShell_Saturdayfr2017_omiossec_hyperv-final.pptx
@@ -234,7 +234,7 @@
           <a:p>
             <a:fld id="{5CB61C02-1C76-487C-B1BB-C9E73A3D081A}" type="datetimeFigureOut">
               <a:rPr lang="fr-FR" smtClean="0"/>
-              <a:t>15/09/2017</a:t>
+              <a:t>16/09/2017</a:t>
             </a:fld>
             <a:endParaRPr lang="fr-FR"/>
           </a:p>
@@ -404,7 +404,7 @@
           <a:p>
             <a:fld id="{BA560AAB-D608-464E-A9E7-185D988958B9}" type="datetimeFigureOut">
               <a:rPr lang="fr-FR" smtClean="0"/>
-              <a:t>15/09/2017</a:t>
+              <a:t>16/09/2017</a:t>
             </a:fld>
             <a:endParaRPr lang="fr-FR"/>
           </a:p>
@@ -808,7 +808,7 @@
           <a:p>
             <a:fld id="{E2501424-4338-44DE-AA36-ED85A6328857}" type="datetime1">
               <a:rPr lang="fr-FR" smtClean="0"/>
-              <a:t>15/09/2017</a:t>
+              <a:t>16/09/2017</a:t>
             </a:fld>
             <a:endParaRPr lang="fr-FR"/>
           </a:p>
@@ -982,7 +982,7 @@
           <a:p>
             <a:fld id="{864E7193-752A-4C74-9C67-AC4AD40CBABB}" type="datetime1">
               <a:rPr lang="fr-FR" smtClean="0"/>
-              <a:t>15/09/2017</a:t>
+              <a:t>16/09/2017</a:t>
             </a:fld>
             <a:endParaRPr lang="fr-FR"/>
           </a:p>
@@ -1166,7 +1166,7 @@
           <a:p>
             <a:fld id="{80E55F92-3980-4D8F-9991-FC0D1902DDF6}" type="datetime1">
               <a:rPr lang="fr-FR" smtClean="0"/>
-              <a:t>15/09/2017</a:t>
+              <a:t>16/09/2017</a:t>
             </a:fld>
             <a:endParaRPr lang="fr-FR"/>
           </a:p>
@@ -1340,7 +1340,7 @@
           <a:p>
             <a:fld id="{5B40A061-DE5E-4955-98B1-33EDDD5AFE6B}" type="datetime1">
               <a:rPr lang="fr-FR" smtClean="0"/>
-              <a:t>15/09/2017</a:t>
+              <a:t>16/09/2017</a:t>
             </a:fld>
             <a:endParaRPr lang="fr-FR"/>
           </a:p>
@@ -1590,7 +1590,7 @@
           <a:p>
             <a:fld id="{85A8A330-AE4D-48C6-9CA1-F18AADF5702A}" type="datetime1">
               <a:rPr lang="fr-FR" smtClean="0"/>
-              <a:t>15/09/2017</a:t>
+              <a:t>16/09/2017</a:t>
             </a:fld>
             <a:endParaRPr lang="fr-FR"/>
           </a:p>
@@ -1826,7 +1826,7 @@
           <a:p>
             <a:fld id="{3E77C2FF-9DFF-4F01-A9C3-C64929989665}" type="datetime1">
               <a:rPr lang="fr-FR" smtClean="0"/>
-              <a:t>15/09/2017</a:t>
+              <a:t>16/09/2017</a:t>
             </a:fld>
             <a:endParaRPr lang="fr-FR"/>
           </a:p>
@@ -2197,7 +2197,7 @@
           <a:p>
             <a:fld id="{0E911F67-1540-4BF5-BD5A-995E29B7D336}" type="datetime1">
               <a:rPr lang="fr-FR" smtClean="0"/>
-              <a:t>15/09/2017</a:t>
+              <a:t>16/09/2017</a:t>
             </a:fld>
             <a:endParaRPr lang="fr-FR"/>
           </a:p>
@@ -2319,7 +2319,7 @@
           <a:p>
             <a:fld id="{14DCE8E3-B453-4788-AFC2-93B7546D54CD}" type="datetime1">
               <a:rPr lang="fr-FR" smtClean="0"/>
-              <a:t>15/09/2017</a:t>
+              <a:t>16/09/2017</a:t>
             </a:fld>
             <a:endParaRPr lang="fr-FR"/>
           </a:p>
@@ -2418,7 +2418,7 @@
           <a:p>
             <a:fld id="{5B2C0F31-053C-4E74-A7C1-481E528322D2}" type="datetime1">
               <a:rPr lang="fr-FR" smtClean="0"/>
-              <a:t>15/09/2017</a:t>
+              <a:t>16/09/2017</a:t>
             </a:fld>
             <a:endParaRPr lang="fr-FR"/>
           </a:p>
@@ -2699,7 +2699,7 @@
           <a:p>
             <a:fld id="{2461E75A-164F-4D4B-BC92-6B2BD60EED3B}" type="datetime1">
               <a:rPr lang="fr-FR" smtClean="0"/>
-              <a:t>15/09/2017</a:t>
+              <a:t>16/09/2017</a:t>
             </a:fld>
             <a:endParaRPr lang="fr-FR"/>
           </a:p>
@@ -2956,7 +2956,7 @@
           <a:p>
             <a:fld id="{3669C2C4-DF61-4F2A-8C7D-106843793B38}" type="datetime1">
               <a:rPr lang="fr-FR" smtClean="0"/>
-              <a:t>15/09/2017</a:t>
+              <a:t>16/09/2017</a:t>
             </a:fld>
             <a:endParaRPr lang="fr-FR"/>
           </a:p>
@@ -3173,7 +3173,7 @@
           <a:p>
             <a:fld id="{B6136DE7-AB9F-4994-AA82-62B1A6433804}" type="datetime1">
               <a:rPr lang="fr-FR" smtClean="0"/>
-              <a:t>15/09/2017</a:t>
+              <a:t>16/09/2017</a:t>
             </a:fld>
             <a:endParaRPr lang="fr-FR"/>
           </a:p>
@@ -3602,7 +3602,7 @@
         </p:nvSpPr>
         <p:spPr>
           <a:xfrm>
-            <a:off x="2600233" y="2183221"/>
+            <a:off x="2600233" y="2331267"/>
             <a:ext cx="7121236" cy="2585323"/>
           </a:xfrm>
           <a:prstGeom prst="rect">
@@ -10556,7 +10556,6 @@
               <a:rPr lang="fr-FR" dirty="0" smtClean="0"/>
               <a:t> </a:t>
             </a:r>
-            <a:endParaRPr lang="fr-FR" dirty="0" smtClean="0"/>
           </a:p>
           <a:p>
             <a:pPr marL="285750" indent="-285750">
@@ -10576,11 +10575,7 @@
             </a:r>
             <a:r>
               <a:rPr lang="fr-FR" dirty="0" smtClean="0"/>
-              <a:t>:</a:t>
-            </a:r>
-            <a:r>
-              <a:rPr lang="fr-FR" dirty="0" smtClean="0"/>
-              <a:t> </a:t>
+              <a:t>: </a:t>
             </a:r>
             <a:r>
               <a:rPr lang="fr-FR" dirty="0">
@@ -10917,11 +10912,7 @@
             </a:br>
             <a:r>
               <a:rPr lang="fr-FR" dirty="0" smtClean="0"/>
-              <a:t>6,7 </a:t>
-            </a:r>
-            <a:r>
-              <a:rPr lang="fr-FR" dirty="0" smtClean="0"/>
-              <a:t>Tb Ram</a:t>
+              <a:t>6,7 Tb Ram</a:t>
             </a:r>
             <a:br>
               <a:rPr lang="fr-FR" dirty="0" smtClean="0"/>
